--- a/파이썬기초(PPT)/NEW_2021버전/파이썬 기초 2강_VS Code 연동하기.pptx
+++ b/파이썬기초(PPT)/NEW_2021버전/파이썬 기초 2강_VS Code 연동하기.pptx
@@ -20,7 +20,7 @@
     <p:sldId id="325" r:id="rId11"/>
     <p:sldId id="289" r:id="rId12"/>
   </p:sldIdLst>
-  <p:sldSz cx="9144000" cy="6858000" type="screen4x3"/>
+  <p:sldSz cx="12192000" cy="6858000"/>
   <p:notesSz cx="10020300" cy="6888163"/>
   <p:defaultTextStyle>
     <a:defPPr>
@@ -125,7 +125,7 @@
             <a:srgbClr val="A4A3A4"/>
           </p15:clr>
         </p15:guide>
-        <p15:guide id="2" pos="2880" userDrawn="1">
+        <p15:guide id="2" pos="3840" userDrawn="1">
           <p15:clr>
             <a:srgbClr val="A4A3A4"/>
           </p15:clr>
@@ -316,8 +316,8 @@
         </p:nvSpPr>
         <p:spPr>
           <a:xfrm>
-            <a:off x="685801" y="2130452"/>
-            <a:ext cx="7772400" cy="1470025"/>
+            <a:off x="914401" y="2130453"/>
+            <a:ext cx="10363200" cy="1470025"/>
           </a:xfrm>
         </p:spPr>
         <p:txBody>
@@ -343,8 +343,8 @@
         </p:nvSpPr>
         <p:spPr>
           <a:xfrm>
-            <a:off x="1371600" y="3886201"/>
-            <a:ext cx="6400800" cy="1752600"/>
+            <a:off x="1828800" y="3886201"/>
+            <a:ext cx="8534400" cy="1752600"/>
           </a:xfrm>
         </p:spPr>
         <p:txBody>
@@ -466,7 +466,7 @@
           <a:p>
             <a:fld id="{FB30EDBD-1C2D-4C1E-B459-B60219FAB484}" type="datetimeFigureOut">
               <a:rPr lang="ko-KR" altLang="en-US" smtClean="0"/>
-              <a:t>2021-02-14</a:t>
+              <a:t>2021-02-15</a:t>
             </a:fld>
             <a:endParaRPr lang="ko-KR" altLang="en-US"/>
           </a:p>
@@ -629,7 +629,7 @@
           <a:p>
             <a:fld id="{FB30EDBD-1C2D-4C1E-B459-B60219FAB484}" type="datetimeFigureOut">
               <a:rPr lang="ko-KR" altLang="en-US" smtClean="0"/>
-              <a:t>2021-02-14</a:t>
+              <a:t>2021-02-15</a:t>
             </a:fld>
             <a:endParaRPr lang="ko-KR" altLang="en-US"/>
           </a:p>
@@ -714,8 +714,8 @@
         </p:nvSpPr>
         <p:spPr>
           <a:xfrm>
-            <a:off x="6629400" y="274654"/>
-            <a:ext cx="2057400" cy="5851525"/>
+            <a:off x="8839200" y="274655"/>
+            <a:ext cx="2743200" cy="5851525"/>
           </a:xfrm>
         </p:spPr>
         <p:txBody>
@@ -741,8 +741,8 @@
         </p:nvSpPr>
         <p:spPr>
           <a:xfrm>
-            <a:off x="457201" y="274654"/>
-            <a:ext cx="6019800" cy="5851525"/>
+            <a:off x="609601" y="274655"/>
+            <a:ext cx="8026400" cy="5851525"/>
           </a:xfrm>
         </p:spPr>
         <p:txBody>
@@ -802,7 +802,7 @@
           <a:p>
             <a:fld id="{FB30EDBD-1C2D-4C1E-B459-B60219FAB484}" type="datetimeFigureOut">
               <a:rPr lang="ko-KR" altLang="en-US" smtClean="0"/>
-              <a:t>2021-02-14</a:t>
+              <a:t>2021-02-15</a:t>
             </a:fld>
             <a:endParaRPr lang="ko-KR" altLang="en-US"/>
           </a:p>
@@ -965,7 +965,7 @@
           <a:p>
             <a:fld id="{FB30EDBD-1C2D-4C1E-B459-B60219FAB484}" type="datetimeFigureOut">
               <a:rPr lang="ko-KR" altLang="en-US" smtClean="0"/>
-              <a:t>2021-02-14</a:t>
+              <a:t>2021-02-15</a:t>
             </a:fld>
             <a:endParaRPr lang="ko-KR" altLang="en-US"/>
           </a:p>
@@ -1050,8 +1050,8 @@
         </p:nvSpPr>
         <p:spPr>
           <a:xfrm>
-            <a:off x="722315" y="4406915"/>
-            <a:ext cx="7772400" cy="1362076"/>
+            <a:off x="963087" y="4406915"/>
+            <a:ext cx="10363200" cy="1362076"/>
           </a:xfrm>
         </p:spPr>
         <p:txBody>
@@ -1081,8 +1081,8 @@
         </p:nvSpPr>
         <p:spPr>
           <a:xfrm>
-            <a:off x="722315" y="2906715"/>
-            <a:ext cx="7772400" cy="1500187"/>
+            <a:off x="963087" y="2906716"/>
+            <a:ext cx="10363200" cy="1500187"/>
           </a:xfrm>
         </p:spPr>
         <p:txBody>
@@ -1205,7 +1205,7 @@
           <a:p>
             <a:fld id="{FB30EDBD-1C2D-4C1E-B459-B60219FAB484}" type="datetimeFigureOut">
               <a:rPr lang="ko-KR" altLang="en-US" smtClean="0"/>
-              <a:t>2021-02-14</a:t>
+              <a:t>2021-02-15</a:t>
             </a:fld>
             <a:endParaRPr lang="ko-KR" altLang="en-US"/>
           </a:p>
@@ -1312,8 +1312,8 @@
         </p:nvSpPr>
         <p:spPr>
           <a:xfrm>
-            <a:off x="457200" y="1600206"/>
-            <a:ext cx="4038600" cy="4525963"/>
+            <a:off x="609600" y="1600206"/>
+            <a:ext cx="5384800" cy="4525963"/>
           </a:xfrm>
         </p:spPr>
         <p:txBody>
@@ -1396,8 +1396,8 @@
         </p:nvSpPr>
         <p:spPr>
           <a:xfrm>
-            <a:off x="4648200" y="1600206"/>
-            <a:ext cx="4038600" cy="4525963"/>
+            <a:off x="6197600" y="1600206"/>
+            <a:ext cx="5384800" cy="4525963"/>
           </a:xfrm>
         </p:spPr>
         <p:txBody>
@@ -1485,7 +1485,7 @@
           <a:p>
             <a:fld id="{FB30EDBD-1C2D-4C1E-B459-B60219FAB484}" type="datetimeFigureOut">
               <a:rPr lang="ko-KR" altLang="en-US" smtClean="0"/>
-              <a:t>2021-02-14</a:t>
+              <a:t>2021-02-15</a:t>
             </a:fld>
             <a:endParaRPr lang="ko-KR" altLang="en-US"/>
           </a:p>
@@ -1596,8 +1596,8 @@
         </p:nvSpPr>
         <p:spPr>
           <a:xfrm>
-            <a:off x="457204" y="1535119"/>
-            <a:ext cx="4040188" cy="639763"/>
+            <a:off x="609606" y="1535120"/>
+            <a:ext cx="5386917" cy="639763"/>
           </a:xfrm>
         </p:spPr>
         <p:txBody>
@@ -1661,8 +1661,8 @@
         </p:nvSpPr>
         <p:spPr>
           <a:xfrm>
-            <a:off x="457204" y="2174875"/>
-            <a:ext cx="4040188" cy="3951288"/>
+            <a:off x="609606" y="2174875"/>
+            <a:ext cx="5386917" cy="3951288"/>
           </a:xfrm>
         </p:spPr>
         <p:txBody>
@@ -1745,8 +1745,8 @@
         </p:nvSpPr>
         <p:spPr>
           <a:xfrm>
-            <a:off x="4645040" y="1535119"/>
-            <a:ext cx="4041775" cy="639763"/>
+            <a:off x="6193388" y="1535120"/>
+            <a:ext cx="5389033" cy="639763"/>
           </a:xfrm>
         </p:spPr>
         <p:txBody>
@@ -1810,8 +1810,8 @@
         </p:nvSpPr>
         <p:spPr>
           <a:xfrm>
-            <a:off x="4645040" y="2174875"/>
-            <a:ext cx="4041775" cy="3951288"/>
+            <a:off x="6193388" y="2174875"/>
+            <a:ext cx="5389033" cy="3951288"/>
           </a:xfrm>
         </p:spPr>
         <p:txBody>
@@ -1899,7 +1899,7 @@
           <a:p>
             <a:fld id="{FB30EDBD-1C2D-4C1E-B459-B60219FAB484}" type="datetimeFigureOut">
               <a:rPr lang="ko-KR" altLang="en-US" smtClean="0"/>
-              <a:t>2021-02-14</a:t>
+              <a:t>2021-02-15</a:t>
             </a:fld>
             <a:endParaRPr lang="ko-KR" altLang="en-US"/>
           </a:p>
@@ -2011,7 +2011,7 @@
           <a:p>
             <a:fld id="{FB30EDBD-1C2D-4C1E-B459-B60219FAB484}" type="datetimeFigureOut">
               <a:rPr lang="ko-KR" altLang="en-US" smtClean="0"/>
-              <a:t>2021-02-14</a:t>
+              <a:t>2021-02-15</a:t>
             </a:fld>
             <a:endParaRPr lang="ko-KR" altLang="en-US"/>
           </a:p>
@@ -2101,7 +2101,7 @@
           <a:p>
             <a:fld id="{FB30EDBD-1C2D-4C1E-B459-B60219FAB484}" type="datetimeFigureOut">
               <a:rPr lang="ko-KR" altLang="en-US" smtClean="0"/>
-              <a:t>2021-02-14</a:t>
+              <a:t>2021-02-15</a:t>
             </a:fld>
             <a:endParaRPr lang="ko-KR" altLang="en-US"/>
           </a:p>
@@ -2186,8 +2186,8 @@
         </p:nvSpPr>
         <p:spPr>
           <a:xfrm>
-            <a:off x="457211" y="273061"/>
-            <a:ext cx="3008313" cy="1162051"/>
+            <a:off x="609615" y="273062"/>
+            <a:ext cx="4011084" cy="1162051"/>
           </a:xfrm>
         </p:spPr>
         <p:txBody>
@@ -2217,8 +2217,8 @@
         </p:nvSpPr>
         <p:spPr>
           <a:xfrm>
-            <a:off x="3575061" y="273072"/>
-            <a:ext cx="5111751" cy="5853113"/>
+            <a:off x="4766749" y="273073"/>
+            <a:ext cx="6815668" cy="5853113"/>
           </a:xfrm>
         </p:spPr>
         <p:txBody>
@@ -2301,8 +2301,8 @@
         </p:nvSpPr>
         <p:spPr>
           <a:xfrm>
-            <a:off x="457211" y="1435122"/>
-            <a:ext cx="3008313" cy="4691063"/>
+            <a:off x="609615" y="1435123"/>
+            <a:ext cx="4011084" cy="4691063"/>
           </a:xfrm>
         </p:spPr>
         <p:txBody>
@@ -2371,7 +2371,7 @@
           <a:p>
             <a:fld id="{FB30EDBD-1C2D-4C1E-B459-B60219FAB484}" type="datetimeFigureOut">
               <a:rPr lang="ko-KR" altLang="en-US" smtClean="0"/>
-              <a:t>2021-02-14</a:t>
+              <a:t>2021-02-15</a:t>
             </a:fld>
             <a:endParaRPr lang="ko-KR" altLang="en-US"/>
           </a:p>
@@ -2456,8 +2456,8 @@
         </p:nvSpPr>
         <p:spPr>
           <a:xfrm>
-            <a:off x="1792290" y="4800602"/>
-            <a:ext cx="5486400" cy="566738"/>
+            <a:off x="2389720" y="4800602"/>
+            <a:ext cx="7315200" cy="566738"/>
           </a:xfrm>
         </p:spPr>
         <p:txBody>
@@ -2487,8 +2487,8 @@
         </p:nvSpPr>
         <p:spPr>
           <a:xfrm>
-            <a:off x="1792290" y="612775"/>
-            <a:ext cx="5486400" cy="4114800"/>
+            <a:off x="2389720" y="612775"/>
+            <a:ext cx="7315200" cy="4114800"/>
           </a:xfrm>
         </p:spPr>
         <p:txBody>
@@ -2548,8 +2548,8 @@
         </p:nvSpPr>
         <p:spPr>
           <a:xfrm>
-            <a:off x="1792290" y="5367338"/>
-            <a:ext cx="5486400" cy="804862"/>
+            <a:off x="2389720" y="5367338"/>
+            <a:ext cx="7315200" cy="804862"/>
           </a:xfrm>
         </p:spPr>
         <p:txBody>
@@ -2618,7 +2618,7 @@
           <a:p>
             <a:fld id="{FB30EDBD-1C2D-4C1E-B459-B60219FAB484}" type="datetimeFigureOut">
               <a:rPr lang="ko-KR" altLang="en-US" smtClean="0"/>
-              <a:t>2021-02-14</a:t>
+              <a:t>2021-02-15</a:t>
             </a:fld>
             <a:endParaRPr lang="ko-KR" altLang="en-US"/>
           </a:p>
@@ -2708,8 +2708,8 @@
         </p:nvSpPr>
         <p:spPr>
           <a:xfrm>
-            <a:off x="457201" y="274639"/>
-            <a:ext cx="8229600" cy="1143000"/>
+            <a:off x="609601" y="274639"/>
+            <a:ext cx="10972800" cy="1143000"/>
           </a:xfrm>
           <a:prstGeom prst="rect">
             <a:avLst/>
@@ -2740,8 +2740,8 @@
         </p:nvSpPr>
         <p:spPr>
           <a:xfrm>
-            <a:off x="457201" y="1600206"/>
-            <a:ext cx="8229600" cy="4525963"/>
+            <a:off x="609601" y="1600206"/>
+            <a:ext cx="10972800" cy="4525963"/>
           </a:xfrm>
           <a:prstGeom prst="rect">
             <a:avLst/>
@@ -2801,8 +2801,8 @@
         </p:nvSpPr>
         <p:spPr>
           <a:xfrm>
-            <a:off x="457200" y="6356367"/>
-            <a:ext cx="2133600" cy="365125"/>
+            <a:off x="609600" y="6356368"/>
+            <a:ext cx="2844800" cy="365125"/>
           </a:xfrm>
           <a:prstGeom prst="rect">
             <a:avLst/>
@@ -2824,7 +2824,7 @@
           <a:p>
             <a:fld id="{FB30EDBD-1C2D-4C1E-B459-B60219FAB484}" type="datetimeFigureOut">
               <a:rPr lang="ko-KR" altLang="en-US" smtClean="0"/>
-              <a:t>2021-02-14</a:t>
+              <a:t>2021-02-15</a:t>
             </a:fld>
             <a:endParaRPr lang="ko-KR" altLang="en-US"/>
           </a:p>
@@ -2842,8 +2842,8 @@
         </p:nvSpPr>
         <p:spPr>
           <a:xfrm>
-            <a:off x="3124201" y="6356367"/>
-            <a:ext cx="2895600" cy="365125"/>
+            <a:off x="4165601" y="6356368"/>
+            <a:ext cx="3860800" cy="365125"/>
           </a:xfrm>
           <a:prstGeom prst="rect">
             <a:avLst/>
@@ -2879,8 +2879,8 @@
         </p:nvSpPr>
         <p:spPr>
           <a:xfrm>
-            <a:off x="6553200" y="6356367"/>
-            <a:ext cx="2133600" cy="365125"/>
+            <a:off x="8737600" y="6356368"/>
+            <a:ext cx="2844800" cy="365125"/>
           </a:xfrm>
           <a:prstGeom prst="rect">
             <a:avLst/>
@@ -3216,7 +3216,7 @@
         </p:nvSpPr>
         <p:spPr>
           <a:xfrm>
-            <a:off x="2393865" y="2036843"/>
+            <a:off x="3917866" y="2036844"/>
             <a:ext cx="4356271" cy="2296827"/>
           </a:xfrm>
           <a:prstGeom prst="rect">
@@ -3267,7 +3267,7 @@
         </p:nvSpPr>
         <p:spPr>
           <a:xfrm>
-            <a:off x="3406237" y="2502300"/>
+            <a:off x="4930238" y="2502301"/>
             <a:ext cx="2392881" cy="619921"/>
           </a:xfrm>
           <a:prstGeom prst="rect">
@@ -3316,7 +3316,7 @@
         </p:nvSpPr>
         <p:spPr>
           <a:xfrm>
-            <a:off x="2490058" y="5760527"/>
+            <a:off x="4014059" y="5760527"/>
             <a:ext cx="4194033" cy="302070"/>
           </a:xfrm>
           <a:prstGeom prst="rect">
@@ -3406,7 +3406,7 @@
         </p:nvSpPr>
         <p:spPr>
           <a:xfrm>
-            <a:off x="1260682" y="941930"/>
+            <a:off x="2784683" y="941930"/>
             <a:ext cx="6622637" cy="925674"/>
           </a:xfrm>
           <a:prstGeom prst="rect">
@@ -3482,7 +3482,7 @@
         </p:nvSpPr>
         <p:spPr>
           <a:xfrm>
-            <a:off x="3360471" y="1972131"/>
+            <a:off x="4884472" y="1972132"/>
             <a:ext cx="2454237" cy="659243"/>
           </a:xfrm>
           <a:prstGeom prst="rect">
@@ -3532,7 +3532,7 @@
         </p:nvSpPr>
         <p:spPr>
           <a:xfrm>
-            <a:off x="1260683" y="1649681"/>
+            <a:off x="2784684" y="1649682"/>
             <a:ext cx="6622637" cy="2438565"/>
           </a:xfrm>
         </p:spPr>
@@ -3784,7 +3784,7 @@
         </p:nvSpPr>
         <p:spPr>
           <a:xfrm>
-            <a:off x="1573908" y="3102283"/>
+            <a:off x="3097909" y="3102283"/>
             <a:ext cx="5996193" cy="660502"/>
           </a:xfrm>
           <a:prstGeom prst="rect">
@@ -3845,18 +3845,6 @@
   <p:clrMapOvr>
     <a:masterClrMapping/>
   </p:clrMapOvr>
-  <mc:AlternateContent xmlns:mc="http://schemas.openxmlformats.org/markup-compatibility/2006">
-    <mc:Choice xmlns:p159="http://schemas.microsoft.com/office/powerpoint/2015/09/main" Requires="p159">
-      <p:transition xmlns:p14="http://schemas.microsoft.com/office/powerpoint/2010/main" spd="slow" p14:dur="2000">
-        <p159:morph option="byObject"/>
-      </p:transition>
-    </mc:Choice>
-    <mc:Fallback>
-      <p:transition spd="slow">
-        <p:fade/>
-      </p:transition>
-    </mc:Fallback>
-  </mc:AlternateContent>
 </p:sld>
 </file>
 
@@ -3902,7 +3890,7 @@
         </p:nvSpPr>
         <p:spPr>
           <a:xfrm>
-            <a:off x="3325209" y="3073874"/>
+            <a:off x="4849209" y="3073874"/>
             <a:ext cx="2509020" cy="717440"/>
           </a:xfrm>
           <a:prstGeom prst="rect">
@@ -3986,7 +3974,7 @@
         </p:nvSpPr>
         <p:spPr>
           <a:xfrm>
-            <a:off x="984738" y="504367"/>
+            <a:off x="2508739" y="504368"/>
             <a:ext cx="7174523" cy="5849265"/>
           </a:xfrm>
         </p:spPr>
@@ -4266,7 +4254,7 @@
         </p:nvSpPr>
         <p:spPr>
           <a:xfrm>
-            <a:off x="5724128" y="0"/>
+            <a:off x="8772128" y="0"/>
             <a:ext cx="3419872" cy="6858000"/>
           </a:xfrm>
           <a:prstGeom prst="rect">
@@ -4361,7 +4349,7 @@
         </p:nvSpPr>
         <p:spPr>
           <a:xfrm>
-            <a:off x="2417087" y="3102283"/>
+            <a:off x="3941087" y="3102283"/>
             <a:ext cx="4309834" cy="660502"/>
           </a:xfrm>
           <a:prstGeom prst="rect">
@@ -4401,18 +4389,6 @@
   <p:clrMapOvr>
     <a:masterClrMapping/>
   </p:clrMapOvr>
-  <mc:AlternateContent xmlns:mc="http://schemas.openxmlformats.org/markup-compatibility/2006" xmlns:p159="http://schemas.microsoft.com/office/powerpoint/2015/09/main">
-    <mc:Choice Requires="p159">
-      <p:transition xmlns:p14="http://schemas.microsoft.com/office/powerpoint/2010/main" spd="slow" p14:dur="2000">
-        <p159:morph option="byObject"/>
-      </p:transition>
-    </mc:Choice>
-    <mc:Fallback xmlns="">
-      <p:transition spd="slow">
-        <p:fade/>
-      </p:transition>
-    </mc:Fallback>
-  </mc:AlternateContent>
 </p:sld>
 </file>
 
@@ -4458,7 +4434,7 @@
         </p:nvSpPr>
         <p:spPr>
           <a:xfrm>
-            <a:off x="2687510" y="2814665"/>
+            <a:off x="4211510" y="2814665"/>
             <a:ext cx="3768980" cy="1228670"/>
           </a:xfrm>
           <a:prstGeom prst="rect">
@@ -4534,18 +4510,6 @@
   <p:clrMapOvr>
     <a:masterClrMapping/>
   </p:clrMapOvr>
-  <mc:AlternateContent xmlns:mc="http://schemas.openxmlformats.org/markup-compatibility/2006" xmlns:p159="http://schemas.microsoft.com/office/powerpoint/2015/09/main">
-    <mc:Choice Requires="p159">
-      <p:transition xmlns:p14="http://schemas.microsoft.com/office/powerpoint/2010/main" spd="slow" p14:dur="2000">
-        <p159:morph option="byObject"/>
-      </p:transition>
-    </mc:Choice>
-    <mc:Fallback xmlns="">
-      <p:transition spd="slow">
-        <p:fade/>
-      </p:transition>
-    </mc:Fallback>
-  </mc:AlternateContent>
 </p:sld>
 </file>
 
@@ -4599,7 +4563,7 @@
         </p:blipFill>
         <p:spPr>
           <a:xfrm>
-            <a:off x="1187624" y="2290603"/>
+            <a:off x="2711624" y="2290604"/>
             <a:ext cx="2133898" cy="2276793"/>
           </a:xfrm>
           <a:prstGeom prst="rect">
@@ -4629,7 +4593,7 @@
         </p:blipFill>
         <p:spPr>
           <a:xfrm>
-            <a:off x="5580112" y="980728"/>
+            <a:off x="7104113" y="980728"/>
             <a:ext cx="2676899" cy="2248214"/>
           </a:xfrm>
           <a:prstGeom prst="rect">
@@ -4659,7 +4623,7 @@
         </p:blipFill>
         <p:spPr>
           <a:xfrm>
-            <a:off x="5727770" y="3861048"/>
+            <a:off x="7251770" y="3861049"/>
             <a:ext cx="2381582" cy="2219635"/>
           </a:xfrm>
           <a:prstGeom prst="rect">
@@ -4681,7 +4645,7 @@
         </p:nvSpPr>
         <p:spPr>
           <a:xfrm>
-            <a:off x="5292080" y="620688"/>
+            <a:off x="6816080" y="620688"/>
             <a:ext cx="3240360" cy="5688632"/>
           </a:xfrm>
           <a:prstGeom prst="rect">
@@ -4729,18 +4693,6 @@
   <p:clrMapOvr>
     <a:masterClrMapping/>
   </p:clrMapOvr>
-  <mc:AlternateContent xmlns:mc="http://schemas.openxmlformats.org/markup-compatibility/2006">
-    <mc:Choice xmlns:p159="http://schemas.microsoft.com/office/powerpoint/2015/09/main" Requires="p159">
-      <p:transition xmlns:p14="http://schemas.microsoft.com/office/powerpoint/2010/main" spd="slow" p14:dur="2000">
-        <p159:morph option="byObject"/>
-      </p:transition>
-    </mc:Choice>
-    <mc:Fallback>
-      <p:transition spd="slow">
-        <p:fade/>
-      </p:transition>
-    </mc:Fallback>
-  </mc:AlternateContent>
   <p:timing>
     <p:tnLst>
       <p:par>
@@ -4968,7 +4920,7 @@
         </p:blipFill>
         <p:spPr>
           <a:xfrm>
-            <a:off x="1427749" y="2300130"/>
+            <a:off x="2951749" y="2300130"/>
             <a:ext cx="1848108" cy="2257740"/>
           </a:xfrm>
           <a:prstGeom prst="rect">
@@ -4998,7 +4950,7 @@
         </p:blipFill>
         <p:spPr>
           <a:xfrm>
-            <a:off x="5868145" y="2300130"/>
+            <a:off x="7392145" y="2300130"/>
             <a:ext cx="2152950" cy="2248214"/>
           </a:xfrm>
           <a:prstGeom prst="rect">
@@ -5020,7 +4972,7 @@
         </p:nvSpPr>
         <p:spPr>
           <a:xfrm>
-            <a:off x="5652120" y="2060848"/>
+            <a:off x="7176120" y="2060848"/>
             <a:ext cx="2592288" cy="2664296"/>
           </a:xfrm>
           <a:prstGeom prst="rect">
@@ -5068,18 +5020,6 @@
   <p:clrMapOvr>
     <a:masterClrMapping/>
   </p:clrMapOvr>
-  <mc:AlternateContent xmlns:mc="http://schemas.openxmlformats.org/markup-compatibility/2006">
-    <mc:Choice xmlns:p159="http://schemas.microsoft.com/office/powerpoint/2015/09/main" Requires="p159">
-      <p:transition xmlns:p14="http://schemas.microsoft.com/office/powerpoint/2010/main" spd="slow" p14:dur="2000">
-        <p159:morph option="byObject"/>
-      </p:transition>
-    </mc:Choice>
-    <mc:Fallback>
-      <p:transition spd="slow">
-        <p:fade/>
-      </p:transition>
-    </mc:Fallback>
-  </mc:AlternateContent>
   <p:timing>
     <p:tnLst>
       <p:par>
@@ -5264,7 +5204,7 @@
         </p:nvSpPr>
         <p:spPr>
           <a:xfrm>
-            <a:off x="2898305" y="2814665"/>
+            <a:off x="4422306" y="2814665"/>
             <a:ext cx="3347391" cy="1228670"/>
           </a:xfrm>
           <a:prstGeom prst="rect">
@@ -5337,18 +5277,6 @@
   <p:clrMapOvr>
     <a:masterClrMapping/>
   </p:clrMapOvr>
-  <mc:AlternateContent xmlns:mc="http://schemas.openxmlformats.org/markup-compatibility/2006">
-    <mc:Choice xmlns:p159="http://schemas.microsoft.com/office/powerpoint/2015/09/main" Requires="p159">
-      <p:transition xmlns:p14="http://schemas.microsoft.com/office/powerpoint/2010/main" spd="slow" p14:dur="2000">
-        <p159:morph option="byObject"/>
-      </p:transition>
-    </mc:Choice>
-    <mc:Fallback>
-      <p:transition spd="slow">
-        <p:fade/>
-      </p:transition>
-    </mc:Fallback>
-  </mc:AlternateContent>
 </p:sld>
 </file>
 
@@ -5394,7 +5322,7 @@
         </p:nvSpPr>
         <p:spPr>
           <a:xfrm>
-            <a:off x="2492745" y="1760341"/>
+            <a:off x="4016746" y="1760342"/>
             <a:ext cx="4158511" cy="461665"/>
           </a:xfrm>
           <a:prstGeom prst="rect">
@@ -5458,7 +5386,7 @@
         </p:nvSpPr>
         <p:spPr>
           <a:xfrm>
-            <a:off x="2766858" y="3677443"/>
+            <a:off x="4290858" y="3677444"/>
             <a:ext cx="3610284" cy="461665"/>
           </a:xfrm>
           <a:prstGeom prst="rect">
@@ -5570,7 +5498,7 @@
         </p:nvSpPr>
         <p:spPr>
           <a:xfrm>
-            <a:off x="3144366" y="2718892"/>
+            <a:off x="4668367" y="2718893"/>
             <a:ext cx="2855269" cy="461665"/>
           </a:xfrm>
           <a:prstGeom prst="rect">
@@ -5635,7 +5563,7 @@
         </p:nvSpPr>
         <p:spPr>
           <a:xfrm>
-            <a:off x="2870252" y="4635994"/>
+            <a:off x="4394252" y="4635995"/>
             <a:ext cx="3403496" cy="461665"/>
           </a:xfrm>
           <a:prstGeom prst="rect">
@@ -5707,18 +5635,6 @@
   <p:clrMapOvr>
     <a:masterClrMapping/>
   </p:clrMapOvr>
-  <mc:AlternateContent xmlns:mc="http://schemas.openxmlformats.org/markup-compatibility/2006" xmlns:p159="http://schemas.microsoft.com/office/powerpoint/2015/09/main">
-    <mc:Choice Requires="p159">
-      <p:transition xmlns:p14="http://schemas.microsoft.com/office/powerpoint/2010/main" spd="slow" p14:dur="2000">
-        <p159:morph option="byObject"/>
-      </p:transition>
-    </mc:Choice>
-    <mc:Fallback xmlns="">
-      <p:transition spd="slow">
-        <p:fade/>
-      </p:transition>
-    </mc:Fallback>
-  </mc:AlternateContent>
   <p:timing>
     <p:tnLst>
       <p:par>
@@ -5958,7 +5874,7 @@
         </p:nvSpPr>
         <p:spPr>
           <a:xfrm>
-            <a:off x="1995497" y="3102283"/>
+            <a:off x="3519497" y="3102283"/>
             <a:ext cx="5153014" cy="660502"/>
           </a:xfrm>
           <a:prstGeom prst="rect">
@@ -6019,18 +5935,6 @@
   <p:clrMapOvr>
     <a:masterClrMapping/>
   </p:clrMapOvr>
-  <mc:AlternateContent xmlns:mc="http://schemas.openxmlformats.org/markup-compatibility/2006">
-    <mc:Choice xmlns:p159="http://schemas.microsoft.com/office/powerpoint/2015/09/main" Requires="p159">
-      <p:transition xmlns:p14="http://schemas.microsoft.com/office/powerpoint/2010/main" spd="slow" p14:dur="2000">
-        <p159:morph option="byObject"/>
-      </p:transition>
-    </mc:Choice>
-    <mc:Fallback>
-      <p:transition spd="slow">
-        <p:fade/>
-      </p:transition>
-    </mc:Fallback>
-  </mc:AlternateContent>
 </p:sld>
 </file>
 
